--- a/slides/WSAA4.1 API consuming with python_.pptx
+++ b/slides/WSAA4.1 API consuming with python_.pptx
@@ -288,6 +288,30 @@
       </pc:sldChg>
     </pc:docChg>
   </pc:docChgLst>
+  <pc:docChgLst>
+    <pc:chgData name="Andrew Beatty" userId="ddf183e3-d1da-49e1-9619-81ceb6b4ef92" providerId="ADAL" clId="{DBD94B45-8FAD-473F-A548-2D2A4A10AA21}"/>
+    <pc:docChg chg="modSld">
+      <pc:chgData name="Andrew Beatty" userId="ddf183e3-d1da-49e1-9619-81ceb6b4ef92" providerId="ADAL" clId="{DBD94B45-8FAD-473F-A548-2D2A4A10AA21}" dt="2024-02-15T14:29:51.470" v="69" actId="20577"/>
+      <pc:docMkLst>
+        <pc:docMk/>
+      </pc:docMkLst>
+      <pc:sldChg chg="modSp mod">
+        <pc:chgData name="Andrew Beatty" userId="ddf183e3-d1da-49e1-9619-81ceb6b4ef92" providerId="ADAL" clId="{DBD94B45-8FAD-473F-A548-2D2A4A10AA21}" dt="2024-02-15T14:29:51.470" v="69" actId="20577"/>
+        <pc:sldMkLst>
+          <pc:docMk/>
+          <pc:sldMk cId="1560032216" sldId="256"/>
+        </pc:sldMkLst>
+        <pc:spChg chg="mod">
+          <ac:chgData name="Andrew Beatty" userId="ddf183e3-d1da-49e1-9619-81ceb6b4ef92" providerId="ADAL" clId="{DBD94B45-8FAD-473F-A548-2D2A4A10AA21}" dt="2024-02-15T14:29:51.470" v="69" actId="20577"/>
+          <ac:spMkLst>
+            <pc:docMk/>
+            <pc:sldMk cId="1560032216" sldId="256"/>
+            <ac:spMk id="3" creationId="{93C118C7-43D2-46DB-A4CB-64F229138918}"/>
+          </ac:spMkLst>
+        </pc:spChg>
+      </pc:sldChg>
+    </pc:docChg>
+  </pc:docChgLst>
 </pc:chgInfo>
 </file>
 
@@ -694,7 +718,7 @@
           <a:p>
             <a:fld id="{83284890-85D2-4D7B-8EF5-15A9C1DB8F42}" type="datetimeFigureOut">
               <a:rPr lang="en-US" dirty="0"/>
-              <a:t>10/9/2023</a:t>
+              <a:t>2/15/2024</a:t>
             </a:fld>
             <a:endParaRPr lang="en-US" dirty="0"/>
           </a:p>
@@ -869,7 +893,7 @@
           <a:p>
             <a:fld id="{87157CC2-0FC8-4686-B024-99790E0F5162}" type="datetimeFigureOut">
               <a:rPr lang="en-US" dirty="0"/>
-              <a:t>10/9/2023</a:t>
+              <a:t>2/15/2024</a:t>
             </a:fld>
             <a:endParaRPr lang="en-US" dirty="0"/>
           </a:p>
@@ -1044,7 +1068,7 @@
           <a:p>
             <a:fld id="{F6764DA5-CD3D-4590-A511-FCD3BC7A793E}" type="datetimeFigureOut">
               <a:rPr lang="en-US" dirty="0"/>
-              <a:t>10/9/2023</a:t>
+              <a:t>2/15/2024</a:t>
             </a:fld>
             <a:endParaRPr lang="en-US" dirty="0"/>
           </a:p>
@@ -1209,7 +1233,7 @@
           <a:p>
             <a:fld id="{82F5661D-6934-4B32-B92C-470368BF1EC6}" type="datetimeFigureOut">
               <a:rPr lang="en-US" dirty="0"/>
-              <a:t>10/9/2023</a:t>
+              <a:t>2/15/2024</a:t>
             </a:fld>
             <a:endParaRPr lang="en-US" dirty="0"/>
           </a:p>
@@ -1517,7 +1541,7 @@
           <a:p>
             <a:fld id="{C6F822A4-8DA6-4447-9B1F-C5DB58435268}" type="datetimeFigureOut">
               <a:rPr lang="en-US" dirty="0"/>
-              <a:t>10/9/2023</a:t>
+              <a:t>2/15/2024</a:t>
             </a:fld>
             <a:endParaRPr lang="en-US" dirty="0"/>
           </a:p>
@@ -1899,7 +1923,7 @@
           <a:p>
             <a:fld id="{E548D31E-DCDA-41A7-9C67-C4B11B94D21D}" type="datetimeFigureOut">
               <a:rPr lang="en-US" dirty="0"/>
-              <a:t>10/9/2023</a:t>
+              <a:t>2/15/2024</a:t>
             </a:fld>
             <a:endParaRPr lang="en-US" dirty="0"/>
           </a:p>
@@ -2328,7 +2352,7 @@
           <a:p>
             <a:fld id="{9B3762C0-B258-48F1-ADE6-176B4174CCDD}" type="datetimeFigureOut">
               <a:rPr lang="en-US" dirty="0"/>
-              <a:t>10/9/2023</a:t>
+              <a:t>2/15/2024</a:t>
             </a:fld>
             <a:endParaRPr lang="en-US" dirty="0"/>
           </a:p>
@@ -2441,7 +2465,7 @@
           <a:p>
             <a:fld id="{677919A6-33EB-49BD-A62F-1FA56B9F9712}" type="datetimeFigureOut">
               <a:rPr lang="en-US" dirty="0"/>
-              <a:t>10/9/2023</a:t>
+              <a:t>2/15/2024</a:t>
             </a:fld>
             <a:endParaRPr lang="en-US" dirty="0"/>
           </a:p>
@@ -2531,7 +2555,7 @@
           <a:p>
             <a:fld id="{CA4E7D1B-D673-4CF6-8672-009D42ABD2A0}" type="datetimeFigureOut">
               <a:rPr lang="en-US" dirty="0"/>
-              <a:t>10/9/2023</a:t>
+              <a:t>2/15/2024</a:t>
             </a:fld>
             <a:endParaRPr lang="en-US" dirty="0"/>
           </a:p>
@@ -2876,7 +2900,7 @@
           <a:p>
             <a:fld id="{DA16AA21-1863-4931-97CB-99D0A168701B}" type="datetimeFigureOut">
               <a:rPr lang="en-US" dirty="0"/>
-              <a:t>10/9/2023</a:t>
+              <a:t>2/15/2024</a:t>
             </a:fld>
             <a:endParaRPr lang="en-US" dirty="0"/>
           </a:p>
@@ -3296,7 +3320,7 @@
           <a:p>
             <a:fld id="{3772C379-9A7C-4C87-A116-CBE9F58B04C5}" type="datetimeFigureOut">
               <a:rPr lang="en-US" dirty="0"/>
-              <a:t>10/9/2023</a:t>
+              <a:t>2/15/2024</a:t>
             </a:fld>
             <a:endParaRPr lang="en-US" dirty="0"/>
           </a:p>
@@ -3572,7 +3596,7 @@
           <a:p>
             <a:fld id="{8664C608-40B1-4030-A28D-5B74BC98ADCE}" type="datetimeFigureOut">
               <a:rPr lang="en-US" dirty="0"/>
-              <a:t>10/9/2023</a:t>
+              <a:t>2/15/2024</a:t>
             </a:fld>
             <a:endParaRPr lang="en-US" dirty="0"/>
           </a:p>
@@ -4204,17 +4228,52 @@
           <a:lstStyle/>
           <a:p>
             <a:r>
-              <a:rPr lang="en-IE" dirty="0"/>
-              <a:t>Data Representation</a:t>
+              <a:rPr lang="en-IE" dirty="0">
+                <a:hlinkClick r:id="rId2">
+                  <a:extLst>
+                    <a:ext uri="{A12FA001-AC4F-418D-AE19-62706E023703}">
+                      <ahyp:hlinkClr xmlns:ahyp="http://schemas.microsoft.com/office/drawing/2018/hyperlinkcolor" val="tx"/>
+                    </a:ext>
+                  </a:extLst>
+                </a:hlinkClick>
+              </a:rPr>
+              <a:t>Web Services </a:t>
+            </a:r>
+            <a:r>
+              <a:rPr lang="en-IE">
+                <a:hlinkClick r:id="rId2">
+                  <a:extLst>
+                    <a:ext uri="{A12FA001-AC4F-418D-AE19-62706E023703}">
+                      <ahyp:hlinkClr xmlns:ahyp="http://schemas.microsoft.com/office/drawing/2018/hyperlinkcolor" val="tx"/>
+                    </a:ext>
+                  </a:extLst>
+                </a:hlinkClick>
+              </a:rPr>
+              <a:t>and Applications</a:t>
             </a:r>
             <a:endParaRPr lang="en-IE" dirty="0">
-              <a:hlinkClick r:id="rId2"/>
+              <a:hlinkClick r:id="rId2">
+                <a:extLst>
+                  <a:ext uri="{A12FA001-AC4F-418D-AE19-62706E023703}">
+                    <ahyp:hlinkClr xmlns:ahyp="http://schemas.microsoft.com/office/drawing/2018/hyperlinkcolor" val="tx"/>
+                  </a:ext>
+                </a:extLst>
+              </a:hlinkClick>
             </a:endParaRPr>
           </a:p>
           <a:p>
             <a:r>
               <a:rPr lang="en-IE" dirty="0">
-                <a:hlinkClick r:id="rId2"/>
+                <a:solidFill>
+                  <a:srgbClr val="CC9900"/>
+                </a:solidFill>
+                <a:hlinkClick r:id="rId2">
+                  <a:extLst>
+                    <a:ext uri="{A12FA001-AC4F-418D-AE19-62706E023703}">
+                      <ahyp:hlinkClr xmlns:ahyp="http://schemas.microsoft.com/office/drawing/2018/hyperlinkcolor" val="tx"/>
+                    </a:ext>
+                  </a:extLst>
+                </a:hlinkClick>
               </a:rPr>
               <a:t>Andrew.Beatty@atu.ie</a:t>
             </a:r>
@@ -4393,6 +4452,13 @@
             <a:schemeClr val="lt1"/>
           </a:fontRef>
         </p:style>
+        <p:txBody>
+          <a:bodyPr/>
+          <a:lstStyle/>
+          <a:p>
+            <a:endParaRPr lang="en-IE"/>
+          </a:p>
+        </p:txBody>
       </p:sp>
       <p:sp>
         <p:nvSpPr>
@@ -4467,6 +4533,13 @@
             <a:schemeClr val="lt1"/>
           </a:fontRef>
         </p:style>
+        <p:txBody>
+          <a:bodyPr/>
+          <a:lstStyle/>
+          <a:p>
+            <a:endParaRPr lang="en-IE"/>
+          </a:p>
+        </p:txBody>
       </p:sp>
       <p:sp>
         <p:nvSpPr>
@@ -4541,6 +4614,13 @@
             <a:schemeClr val="lt1"/>
           </a:fontRef>
         </p:style>
+        <p:txBody>
+          <a:bodyPr/>
+          <a:lstStyle/>
+          <a:p>
+            <a:endParaRPr lang="en-IE"/>
+          </a:p>
+        </p:txBody>
       </p:sp>
       <p:sp>
         <p:nvSpPr>
@@ -5048,6 +5128,13 @@
             <a:schemeClr val="lt1"/>
           </a:fontRef>
         </p:style>
+        <p:txBody>
+          <a:bodyPr/>
+          <a:lstStyle/>
+          <a:p>
+            <a:endParaRPr lang="en-IE"/>
+          </a:p>
+        </p:txBody>
       </p:sp>
       <p:sp>
         <p:nvSpPr>
@@ -5122,6 +5209,13 @@
             <a:schemeClr val="lt1"/>
           </a:fontRef>
         </p:style>
+        <p:txBody>
+          <a:bodyPr/>
+          <a:lstStyle/>
+          <a:p>
+            <a:endParaRPr lang="en-IE"/>
+          </a:p>
+        </p:txBody>
       </p:sp>
       <p:sp>
         <p:nvSpPr>
@@ -5196,6 +5290,13 @@
             <a:schemeClr val="lt1"/>
           </a:fontRef>
         </p:style>
+        <p:txBody>
+          <a:bodyPr/>
+          <a:lstStyle/>
+          <a:p>
+            <a:endParaRPr lang="en-IE"/>
+          </a:p>
+        </p:txBody>
       </p:sp>
       <p:sp>
         <p:nvSpPr>
@@ -5967,6 +6068,13 @@
             <a:schemeClr val="lt1"/>
           </a:fontRef>
         </p:style>
+        <p:txBody>
+          <a:bodyPr/>
+          <a:lstStyle/>
+          <a:p>
+            <a:endParaRPr lang="en-IE"/>
+          </a:p>
+        </p:txBody>
       </p:sp>
       <p:sp>
         <p:nvSpPr>
@@ -6041,6 +6149,13 @@
             <a:schemeClr val="lt1"/>
           </a:fontRef>
         </p:style>
+        <p:txBody>
+          <a:bodyPr/>
+          <a:lstStyle/>
+          <a:p>
+            <a:endParaRPr lang="en-IE"/>
+          </a:p>
+        </p:txBody>
       </p:sp>
       <p:sp>
         <p:nvSpPr>
@@ -6115,6 +6230,13 @@
             <a:schemeClr val="lt1"/>
           </a:fontRef>
         </p:style>
+        <p:txBody>
+          <a:bodyPr/>
+          <a:lstStyle/>
+          <a:p>
+            <a:endParaRPr lang="en-IE"/>
+          </a:p>
+        </p:txBody>
       </p:sp>
       <p:sp>
         <p:nvSpPr>
@@ -6907,6 +7029,13 @@
             <a:schemeClr val="lt1"/>
           </a:fontRef>
         </p:style>
+        <p:txBody>
+          <a:bodyPr/>
+          <a:lstStyle/>
+          <a:p>
+            <a:endParaRPr lang="en-IE"/>
+          </a:p>
+        </p:txBody>
       </p:sp>
       <p:sp>
         <p:nvSpPr>
@@ -6981,6 +7110,13 @@
             <a:schemeClr val="lt1"/>
           </a:fontRef>
         </p:style>
+        <p:txBody>
+          <a:bodyPr/>
+          <a:lstStyle/>
+          <a:p>
+            <a:endParaRPr lang="en-IE"/>
+          </a:p>
+        </p:txBody>
       </p:sp>
       <p:sp>
         <p:nvSpPr>
@@ -7055,6 +7191,13 @@
             <a:schemeClr val="lt1"/>
           </a:fontRef>
         </p:style>
+        <p:txBody>
+          <a:bodyPr/>
+          <a:lstStyle/>
+          <a:p>
+            <a:endParaRPr lang="en-IE"/>
+          </a:p>
+        </p:txBody>
       </p:sp>
       <p:sp>
         <p:nvSpPr>
